--- a/docs/presentation/Presentation.pptx
+++ b/docs/presentation/Presentation.pptx
@@ -13546,7 +13546,6 @@
               <a:rPr lang="en-US" dirty="0" smtClean="0"/>
               <a:t>To study the Effectiveness of Deep Models</a:t>
             </a:r>
-            <a:endParaRPr lang="en-US" dirty="0" smtClean="0"/>
           </a:p>
           <a:p>
             <a:pPr marL="0" indent="0">
@@ -13572,11 +13571,11 @@
   <p:clrMapOvr>
     <a:masterClrMapping/>
   </p:clrMapOvr>
-  <mc:AlternateContent xmlns:mc="http://schemas.openxmlformats.org/markup-compatibility/2006">
-    <mc:Choice xmlns:p14="http://schemas.microsoft.com/office/powerpoint/2010/main" Requires="p14">
+  <mc:AlternateContent xmlns:mc="http://schemas.openxmlformats.org/markup-compatibility/2006" xmlns:p14="http://schemas.microsoft.com/office/powerpoint/2010/main">
+    <mc:Choice Requires="p14">
       <p:transition p14:dur="0"/>
     </mc:Choice>
-    <mc:Fallback>
+    <mc:Fallback xmlns="">
       <p:transition/>
     </mc:Fallback>
   </mc:AlternateContent>
@@ -18411,9 +18410,10 @@
           <a:p>
             <a:pPr algn="ctr"/>
             <a:r>
-              <a:rPr lang="en-US" dirty="0"/>
-              <a:t>Questions?</a:t>
+              <a:rPr lang="en-US" smtClean="0"/>
+              <a:t>Questions ?</a:t>
             </a:r>
+            <a:endParaRPr lang="en-US" dirty="0"/>
           </a:p>
         </p:txBody>
       </p:sp>
